--- a/최종발표ppt.pptx
+++ b/최종발표ppt.pptx
@@ -294,7 +294,7 @@
           <a:p>
             <a:fld id="{6FF287E6-343F-44AF-9998-ADBF016BA9F2}" type="datetimeFigureOut">
               <a:rPr lang="ko-KR" altLang="en-US" smtClean="0"/>
-              <a:t>2020-12-01</a:t>
+              <a:t>2020-12-14</a:t>
             </a:fld>
             <a:endParaRPr lang="ko-KR" altLang="en-US"/>
           </a:p>
@@ -492,7 +492,7 @@
           <a:p>
             <a:fld id="{6FF287E6-343F-44AF-9998-ADBF016BA9F2}" type="datetimeFigureOut">
               <a:rPr lang="ko-KR" altLang="en-US" smtClean="0"/>
-              <a:t>2020-12-01</a:t>
+              <a:t>2020-12-14</a:t>
             </a:fld>
             <a:endParaRPr lang="ko-KR" altLang="en-US"/>
           </a:p>
@@ -700,7 +700,7 @@
           <a:p>
             <a:fld id="{6FF287E6-343F-44AF-9998-ADBF016BA9F2}" type="datetimeFigureOut">
               <a:rPr lang="ko-KR" altLang="en-US" smtClean="0"/>
-              <a:t>2020-12-01</a:t>
+              <a:t>2020-12-14</a:t>
             </a:fld>
             <a:endParaRPr lang="ko-KR" altLang="en-US"/>
           </a:p>
@@ -898,7 +898,7 @@
           <a:p>
             <a:fld id="{6FF287E6-343F-44AF-9998-ADBF016BA9F2}" type="datetimeFigureOut">
               <a:rPr lang="ko-KR" altLang="en-US" smtClean="0"/>
-              <a:t>2020-12-01</a:t>
+              <a:t>2020-12-14</a:t>
             </a:fld>
             <a:endParaRPr lang="ko-KR" altLang="en-US"/>
           </a:p>
@@ -1173,7 +1173,7 @@
           <a:p>
             <a:fld id="{6FF287E6-343F-44AF-9998-ADBF016BA9F2}" type="datetimeFigureOut">
               <a:rPr lang="ko-KR" altLang="en-US" smtClean="0"/>
-              <a:t>2020-12-01</a:t>
+              <a:t>2020-12-14</a:t>
             </a:fld>
             <a:endParaRPr lang="ko-KR" altLang="en-US"/>
           </a:p>
@@ -1438,7 +1438,7 @@
           <a:p>
             <a:fld id="{6FF287E6-343F-44AF-9998-ADBF016BA9F2}" type="datetimeFigureOut">
               <a:rPr lang="ko-KR" altLang="en-US" smtClean="0"/>
-              <a:t>2020-12-01</a:t>
+              <a:t>2020-12-14</a:t>
             </a:fld>
             <a:endParaRPr lang="ko-KR" altLang="en-US"/>
           </a:p>
@@ -1850,7 +1850,7 @@
           <a:p>
             <a:fld id="{6FF287E6-343F-44AF-9998-ADBF016BA9F2}" type="datetimeFigureOut">
               <a:rPr lang="ko-KR" altLang="en-US" smtClean="0"/>
-              <a:t>2020-12-01</a:t>
+              <a:t>2020-12-14</a:t>
             </a:fld>
             <a:endParaRPr lang="ko-KR" altLang="en-US"/>
           </a:p>
@@ -1991,7 +1991,7 @@
           <a:p>
             <a:fld id="{6FF287E6-343F-44AF-9998-ADBF016BA9F2}" type="datetimeFigureOut">
               <a:rPr lang="ko-KR" altLang="en-US" smtClean="0"/>
-              <a:t>2020-12-01</a:t>
+              <a:t>2020-12-14</a:t>
             </a:fld>
             <a:endParaRPr lang="ko-KR" altLang="en-US"/>
           </a:p>
@@ -2104,7 +2104,7 @@
           <a:p>
             <a:fld id="{6FF287E6-343F-44AF-9998-ADBF016BA9F2}" type="datetimeFigureOut">
               <a:rPr lang="ko-KR" altLang="en-US" smtClean="0"/>
-              <a:t>2020-12-01</a:t>
+              <a:t>2020-12-14</a:t>
             </a:fld>
             <a:endParaRPr lang="ko-KR" altLang="en-US"/>
           </a:p>
@@ -2415,7 +2415,7 @@
           <a:p>
             <a:fld id="{6FF287E6-343F-44AF-9998-ADBF016BA9F2}" type="datetimeFigureOut">
               <a:rPr lang="ko-KR" altLang="en-US" smtClean="0"/>
-              <a:t>2020-12-01</a:t>
+              <a:t>2020-12-14</a:t>
             </a:fld>
             <a:endParaRPr lang="ko-KR" altLang="en-US"/>
           </a:p>
@@ -2703,7 +2703,7 @@
           <a:p>
             <a:fld id="{6FF287E6-343F-44AF-9998-ADBF016BA9F2}" type="datetimeFigureOut">
               <a:rPr lang="ko-KR" altLang="en-US" smtClean="0"/>
-              <a:t>2020-12-01</a:t>
+              <a:t>2020-12-14</a:t>
             </a:fld>
             <a:endParaRPr lang="ko-KR" altLang="en-US"/>
           </a:p>
@@ -2953,7 +2953,7 @@
           <a:p>
             <a:fld id="{6FF287E6-343F-44AF-9998-ADBF016BA9F2}" type="datetimeFigureOut">
               <a:rPr lang="ko-KR" altLang="en-US" smtClean="0"/>
-              <a:t>2020-12-01</a:t>
+              <a:t>2020-12-14</a:t>
             </a:fld>
             <a:endParaRPr lang="ko-KR" altLang="en-US"/>
           </a:p>
@@ -23062,7 +23062,7 @@
         <p:spPr>
           <a:xfrm>
             <a:off x="1660910" y="3052277"/>
-            <a:ext cx="1223412" cy="461665"/>
+            <a:ext cx="184731" cy="461665"/>
           </a:xfrm>
           <a:prstGeom prst="rect">
             <a:avLst/>
@@ -23075,14 +23075,6 @@
           </a:bodyPr>
           <a:lstStyle/>
           <a:p>
-            <a:r>
-              <a:rPr lang="ko-KR" altLang="en-US" sz="2400" spc="300">
-                <a:latin typeface="둥근모꼴" panose="020B0500000000000000" pitchFamily="50" charset="-127"/>
-                <a:ea typeface="둥근모꼴" panose="020B0500000000000000" pitchFamily="50" charset="-127"/>
-                <a:cs typeface="둥근모꼴" panose="020B0500000000000000" pitchFamily="50" charset="-127"/>
-              </a:rPr>
-              <a:t>마혜경</a:t>
-            </a:r>
             <a:endParaRPr lang="ko-KR" altLang="en-US" sz="2400" spc="300" dirty="0">
               <a:latin typeface="둥근모꼴" panose="020B0500000000000000" pitchFamily="50" charset="-127"/>
               <a:ea typeface="둥근모꼴" panose="020B0500000000000000" pitchFamily="50" charset="-127"/>
@@ -23746,7 +23738,7 @@
           <p:spPr>
             <a:xfrm>
               <a:off x="1515871" y="3070271"/>
-              <a:ext cx="1223412" cy="461665"/>
+              <a:ext cx="184731" cy="461665"/>
             </a:xfrm>
             <a:prstGeom prst="rect">
               <a:avLst/>
@@ -23759,14 +23751,11 @@
             </a:bodyPr>
             <a:lstStyle/>
             <a:p>
-              <a:r>
-                <a:rPr lang="ko-KR" altLang="en-US" sz="2400" spc="300" dirty="0">
-                  <a:latin typeface="둥근모꼴" panose="020B0500000000000000" pitchFamily="50" charset="-127"/>
-                  <a:ea typeface="둥근모꼴" panose="020B0500000000000000" pitchFamily="50" charset="-127"/>
-                  <a:cs typeface="둥근모꼴" panose="020B0500000000000000" pitchFamily="50" charset="-127"/>
-                </a:rPr>
-                <a:t>문정환</a:t>
-              </a:r>
+              <a:endParaRPr lang="ko-KR" altLang="en-US" sz="2400" spc="300" dirty="0">
+                <a:latin typeface="둥근모꼴" panose="020B0500000000000000" pitchFamily="50" charset="-127"/>
+                <a:ea typeface="둥근모꼴" panose="020B0500000000000000" pitchFamily="50" charset="-127"/>
+                <a:cs typeface="둥근모꼴" panose="020B0500000000000000" pitchFamily="50" charset="-127"/>
+              </a:endParaRPr>
             </a:p>
           </p:txBody>
         </p:sp>
@@ -24453,7 +24442,7 @@
           <p:spPr>
             <a:xfrm>
               <a:off x="1551724" y="3070271"/>
-              <a:ext cx="1223412" cy="461665"/>
+              <a:ext cx="184731" cy="461665"/>
             </a:xfrm>
             <a:prstGeom prst="rect">
               <a:avLst/>
@@ -24466,14 +24455,6 @@
             </a:bodyPr>
             <a:lstStyle/>
             <a:p>
-              <a:r>
-                <a:rPr lang="ko-KR" altLang="en-US" sz="2400" spc="300">
-                  <a:latin typeface="둥근모꼴" panose="020B0500000000000000" pitchFamily="50" charset="-127"/>
-                  <a:ea typeface="둥근모꼴" panose="020B0500000000000000" pitchFamily="50" charset="-127"/>
-                  <a:cs typeface="둥근모꼴" panose="020B0500000000000000" pitchFamily="50" charset="-127"/>
-                </a:rPr>
-                <a:t>강주희</a:t>
-              </a:r>
               <a:endParaRPr lang="ko-KR" altLang="en-US" sz="2400" spc="300" dirty="0">
                 <a:latin typeface="둥근모꼴" panose="020B0500000000000000" pitchFamily="50" charset="-127"/>
                 <a:ea typeface="둥근모꼴" panose="020B0500000000000000" pitchFamily="50" charset="-127"/>
@@ -25137,7 +25118,7 @@
           <p:spPr>
             <a:xfrm>
               <a:off x="1551727" y="3070271"/>
-              <a:ext cx="1223412" cy="461665"/>
+              <a:ext cx="184731" cy="461665"/>
             </a:xfrm>
             <a:prstGeom prst="rect">
               <a:avLst/>
@@ -25150,14 +25131,6 @@
             </a:bodyPr>
             <a:lstStyle/>
             <a:p>
-              <a:r>
-                <a:rPr lang="ko-KR" altLang="en-US" sz="2400" spc="300" dirty="0" err="1">
-                  <a:latin typeface="둥근모꼴" panose="020B0500000000000000" pitchFamily="50" charset="-127"/>
-                  <a:ea typeface="둥근모꼴" panose="020B0500000000000000" pitchFamily="50" charset="-127"/>
-                  <a:cs typeface="둥근모꼴" panose="020B0500000000000000" pitchFamily="50" charset="-127"/>
-                </a:rPr>
-                <a:t>정문규</a:t>
-              </a:r>
               <a:endParaRPr lang="ko-KR" altLang="en-US" sz="2400" spc="300" dirty="0">
                 <a:latin typeface="둥근모꼴" panose="020B0500000000000000" pitchFamily="50" charset="-127"/>
                 <a:ea typeface="둥근모꼴" panose="020B0500000000000000" pitchFamily="50" charset="-127"/>
